--- a/ML/draft2.pptx
+++ b/ML/draft2.pptx
@@ -6189,8 +6189,8 @@
           </a:p>
         </p:txBody>
       </p:sp>
-      <mc:AlternateContent xmlns:mc="http://schemas.openxmlformats.org/markup-compatibility/2006">
-        <mc:Choice xmlns:a14="http://schemas.microsoft.com/office/drawing/2010/main" Requires="a14">
+      <mc:AlternateContent xmlns:mc="http://schemas.openxmlformats.org/markup-compatibility/2006" xmlns:a14="http://schemas.microsoft.com/office/drawing/2010/main">
+        <mc:Choice Requires="a14">
           <p:sp>
             <p:nvSpPr>
               <p:cNvPr id="3" name="內容版面配置區 2">
@@ -6442,7 +6442,7 @@
             </p:txBody>
           </p:sp>
         </mc:Choice>
-        <mc:Fallback>
+        <mc:Fallback xmlns="">
           <p:sp>
             <p:nvSpPr>
               <p:cNvPr id="3" name="內容版面配置區 2">
@@ -8937,20 +8937,33 @@
           <a:p>
             <a:r>
               <a:rPr lang="en-US" altLang="zh-HK" dirty="0"/>
+              <a:t>Polynomial features</a:t>
+            </a:r>
+          </a:p>
+          <a:p>
+            <a:r>
+              <a:rPr lang="en-US" altLang="zh-HK" dirty="0"/>
+              <a:t>Use difference from the average win rates as label </a:t>
+            </a:r>
+          </a:p>
+          <a:p>
+            <a:r>
+              <a:rPr lang="en-US" altLang="zh-HK" dirty="0"/>
               <a:t>A classifier rather than regressor, as more data available </a:t>
             </a:r>
           </a:p>
           <a:p>
             <a:r>
-              <a:rPr lang="en-US" altLang="zh-HK" dirty="0"/>
-              <a:t>Polynomial features</a:t>
-            </a:r>
-          </a:p>
-          <a:p>
-            <a:r>
-              <a:rPr lang="en-US" altLang="zh-HK" dirty="0"/>
-              <a:t>Use difference from the average win rates as label </a:t>
-            </a:r>
+              <a:rPr lang="en-US" altLang="zh-HK" dirty="0" err="1"/>
+              <a:t>Unsupervise</a:t>
+            </a:r>
+            <a:r>
+              <a:rPr lang="en-US" altLang="zh-HK" dirty="0"/>
+              <a:t> learning on finding base stats distribution pattern </a:t>
+            </a:r>
+          </a:p>
+          <a:p>
+            <a:endParaRPr lang="en-US" altLang="zh-HK" dirty="0"/>
           </a:p>
         </p:txBody>
       </p:sp>
